--- a/Notes_ModeSwitch.pptx
+++ b/Notes_ModeSwitch.pptx
@@ -104,6 +104,11 @@
       </a:defRPr>
     </a:lvl9pPr>
   </p:defaultTextStyle>
+  <p:extLst>
+    <p:ext uri="{EFAFB233-063F-42B5-8137-9DF3F51BA10A}">
+      <p15:sldGuideLst xmlns:p15="http://schemas.microsoft.com/office/powerpoint/2012/main"/>
+    </p:ext>
+  </p:extLst>
 </p:presentation>
 </file>
 
@@ -254,7 +259,7 @@
           <a:p>
             <a:fld id="{79A5B6C7-43FA-4C6D-90F9-DAC8CA888B3B}" type="datetimeFigureOut">
               <a:rPr lang="en-US" smtClean="0"/>
-              <a:t>8/31/2025</a:t>
+              <a:t>9/2/2025</a:t>
             </a:fld>
             <a:endParaRPr lang="en-US"/>
           </a:p>
@@ -452,7 +457,7 @@
           <a:p>
             <a:fld id="{79A5B6C7-43FA-4C6D-90F9-DAC8CA888B3B}" type="datetimeFigureOut">
               <a:rPr lang="en-US" smtClean="0"/>
-              <a:t>8/31/2025</a:t>
+              <a:t>9/2/2025</a:t>
             </a:fld>
             <a:endParaRPr lang="en-US"/>
           </a:p>
@@ -660,7 +665,7 @@
           <a:p>
             <a:fld id="{79A5B6C7-43FA-4C6D-90F9-DAC8CA888B3B}" type="datetimeFigureOut">
               <a:rPr lang="en-US" smtClean="0"/>
-              <a:t>8/31/2025</a:t>
+              <a:t>9/2/2025</a:t>
             </a:fld>
             <a:endParaRPr lang="en-US"/>
           </a:p>
@@ -858,7 +863,7 @@
           <a:p>
             <a:fld id="{79A5B6C7-43FA-4C6D-90F9-DAC8CA888B3B}" type="datetimeFigureOut">
               <a:rPr lang="en-US" smtClean="0"/>
-              <a:t>8/31/2025</a:t>
+              <a:t>9/2/2025</a:t>
             </a:fld>
             <a:endParaRPr lang="en-US"/>
           </a:p>
@@ -1133,7 +1138,7 @@
           <a:p>
             <a:fld id="{79A5B6C7-43FA-4C6D-90F9-DAC8CA888B3B}" type="datetimeFigureOut">
               <a:rPr lang="en-US" smtClean="0"/>
-              <a:t>8/31/2025</a:t>
+              <a:t>9/2/2025</a:t>
             </a:fld>
             <a:endParaRPr lang="en-US"/>
           </a:p>
@@ -1398,7 +1403,7 @@
           <a:p>
             <a:fld id="{79A5B6C7-43FA-4C6D-90F9-DAC8CA888B3B}" type="datetimeFigureOut">
               <a:rPr lang="en-US" smtClean="0"/>
-              <a:t>8/31/2025</a:t>
+              <a:t>9/2/2025</a:t>
             </a:fld>
             <a:endParaRPr lang="en-US"/>
           </a:p>
@@ -1810,7 +1815,7 @@
           <a:p>
             <a:fld id="{79A5B6C7-43FA-4C6D-90F9-DAC8CA888B3B}" type="datetimeFigureOut">
               <a:rPr lang="en-US" smtClean="0"/>
-              <a:t>8/31/2025</a:t>
+              <a:t>9/2/2025</a:t>
             </a:fld>
             <a:endParaRPr lang="en-US"/>
           </a:p>
@@ -1951,7 +1956,7 @@
           <a:p>
             <a:fld id="{79A5B6C7-43FA-4C6D-90F9-DAC8CA888B3B}" type="datetimeFigureOut">
               <a:rPr lang="en-US" smtClean="0"/>
-              <a:t>8/31/2025</a:t>
+              <a:t>9/2/2025</a:t>
             </a:fld>
             <a:endParaRPr lang="en-US"/>
           </a:p>
@@ -2064,7 +2069,7 @@
           <a:p>
             <a:fld id="{79A5B6C7-43FA-4C6D-90F9-DAC8CA888B3B}" type="datetimeFigureOut">
               <a:rPr lang="en-US" smtClean="0"/>
-              <a:t>8/31/2025</a:t>
+              <a:t>9/2/2025</a:t>
             </a:fld>
             <a:endParaRPr lang="en-US"/>
           </a:p>
@@ -2375,7 +2380,7 @@
           <a:p>
             <a:fld id="{79A5B6C7-43FA-4C6D-90F9-DAC8CA888B3B}" type="datetimeFigureOut">
               <a:rPr lang="en-US" smtClean="0"/>
-              <a:t>8/31/2025</a:t>
+              <a:t>9/2/2025</a:t>
             </a:fld>
             <a:endParaRPr lang="en-US"/>
           </a:p>
@@ -2663,7 +2668,7 @@
           <a:p>
             <a:fld id="{79A5B6C7-43FA-4C6D-90F9-DAC8CA888B3B}" type="datetimeFigureOut">
               <a:rPr lang="en-US" smtClean="0"/>
-              <a:t>8/31/2025</a:t>
+              <a:t>9/2/2025</a:t>
             </a:fld>
             <a:endParaRPr lang="en-US"/>
           </a:p>
@@ -2904,7 +2909,7 @@
           <a:p>
             <a:fld id="{79A5B6C7-43FA-4C6D-90F9-DAC8CA888B3B}" type="datetimeFigureOut">
               <a:rPr lang="en-US" smtClean="0"/>
-              <a:t>8/31/2025</a:t>
+              <a:t>9/2/2025</a:t>
             </a:fld>
             <a:endParaRPr lang="en-US"/>
           </a:p>
@@ -3351,7 +3356,7 @@
           <a:p>
             <a:r>
               <a:rPr lang="en-US" dirty="0"/>
-              <a:t>1) For every Person create 2 “Lists” (Before &amp; After).</a:t>
+              <a:t>1) For every Person create 3“Lists” (Before, After, difference).</a:t>
             </a:r>
             <a:br>
               <a:rPr lang="en-US" dirty="0"/>
@@ -3565,8 +3570,8 @@
         </p:nvSpPr>
         <p:spPr>
           <a:xfrm>
-            <a:off x="9931399" y="1705481"/>
-            <a:ext cx="2074334" cy="2599267"/>
+            <a:off x="9931399" y="327661"/>
+            <a:ext cx="2074334" cy="3977088"/>
           </a:xfrm>
           <a:prstGeom prst="rect">
             <a:avLst/>
@@ -3599,41 +3604,65 @@
             <a:br>
               <a:rPr lang="en-US" dirty="0"/>
             </a:br>
+            <a:r>
+              <a:rPr lang="en-US" dirty="0"/>
+              <a:t>-Car</a:t>
+            </a:r>
+          </a:p>
+          <a:p>
+            <a:r>
+              <a:rPr lang="en-US" dirty="0"/>
+              <a:t>-Car</a:t>
+            </a:r>
+          </a:p>
+          <a:p>
+            <a:r>
+              <a:rPr lang="en-US" dirty="0"/>
+              <a:t>-Car</a:t>
+            </a:r>
+          </a:p>
+          <a:p>
+            <a:r>
+              <a:rPr lang="en-US" dirty="0"/>
+              <a:t>-Car</a:t>
+            </a:r>
+          </a:p>
+          <a:p>
+            <a:r>
+              <a:rPr lang="en-US" dirty="0"/>
+              <a:t>-Car</a:t>
+            </a:r>
             <a:br>
               <a:rPr lang="en-US" dirty="0"/>
             </a:br>
             <a:r>
-              <a:rPr lang="en-US" dirty="0"/>
-              <a:t>Bike = +1</a:t>
-            </a:r>
-          </a:p>
-          <a:p>
-            <a:r>
-              <a:rPr lang="en-US" dirty="0"/>
-              <a:t>Car = -2</a:t>
-            </a:r>
-          </a:p>
-          <a:p>
-            <a:r>
-              <a:rPr lang="en-US" dirty="0"/>
-              <a:t>Car Passenger = 0</a:t>
-            </a:r>
-          </a:p>
-          <a:p>
-            <a:r>
-              <a:rPr lang="en-US" dirty="0"/>
-              <a:t>PT = +1</a:t>
-            </a:r>
-          </a:p>
-          <a:p>
-            <a:r>
-              <a:rPr lang="en-US" dirty="0"/>
-              <a:t>Walk = 0</a:t>
-            </a:r>
-          </a:p>
-          <a:p>
-            <a:pPr algn="ctr"/>
-            <a:endParaRPr lang="en-US" dirty="0"/>
+              <a:rPr lang="en-US" sz="800" dirty="0"/>
+              <a:t>(Car Passenger )</a:t>
+            </a:r>
+            <a:br>
+              <a:rPr lang="en-US" dirty="0"/>
+            </a:br>
+            <a:r>
+              <a:rPr lang="en-US" dirty="0"/>
+              <a:t>+PT</a:t>
+            </a:r>
+            <a:br>
+              <a:rPr lang="en-US" dirty="0"/>
+            </a:br>
+            <a:r>
+              <a:rPr lang="en-US" dirty="0"/>
+              <a:t>+Bike</a:t>
+            </a:r>
+          </a:p>
+          <a:p>
+            <a:r>
+              <a:rPr lang="en-US" dirty="0"/>
+              <a:t>+Walk</a:t>
+            </a:r>
+            <a:br>
+              <a:rPr lang="en-US" dirty="0"/>
+            </a:br>
+            <a:endParaRPr lang="en-US" sz="800" dirty="0"/>
           </a:p>
         </p:txBody>
       </p:sp>
@@ -3720,6 +3749,82 @@
           <a:p>
             <a:pPr algn="ctr"/>
             <a:endParaRPr lang="en-US" dirty="0"/>
+          </a:p>
+        </p:txBody>
+      </p:sp>
+      <p:sp>
+        <p:nvSpPr>
+          <p:cNvPr id="2" name="Rectangle 1">
+            <a:extLst>
+              <a:ext uri="{FF2B5EF4-FFF2-40B4-BE49-F238E27FC236}">
+                <a16:creationId xmlns:a16="http://schemas.microsoft.com/office/drawing/2014/main" id="{7A7D7D13-9221-7E1B-4F3D-B4F5538AB5E1}"/>
+              </a:ext>
+            </a:extLst>
+          </p:cNvPr>
+          <p:cNvSpPr/>
+          <p:nvPr/>
+        </p:nvSpPr>
+        <p:spPr>
+          <a:xfrm>
+            <a:off x="9931399" y="4411979"/>
+            <a:ext cx="2074334" cy="1539819"/>
+          </a:xfrm>
+          <a:prstGeom prst="rect">
+            <a:avLst/>
+          </a:prstGeom>
+        </p:spPr>
+        <p:style>
+          <a:lnRef idx="2">
+            <a:schemeClr val="accent1">
+              <a:shade val="15000"/>
+            </a:schemeClr>
+          </a:lnRef>
+          <a:fillRef idx="1">
+            <a:schemeClr val="accent1"/>
+          </a:fillRef>
+          <a:effectRef idx="0">
+            <a:schemeClr val="accent1"/>
+          </a:effectRef>
+          <a:fontRef idx="minor">
+            <a:schemeClr val="lt1"/>
+          </a:fontRef>
+        </p:style>
+        <p:txBody>
+          <a:bodyPr rtlCol="0" anchor="ctr"/>
+          <a:lstStyle/>
+          <a:p>
+            <a:r>
+              <a:rPr lang="en-US" b="1" u="sng" dirty="0"/>
+              <a:t>SUMS</a:t>
+            </a:r>
+            <a:br>
+              <a:rPr lang="en-US" dirty="0"/>
+            </a:br>
+            <a:r>
+              <a:rPr lang="en-US" dirty="0"/>
+              <a:t>Car-Bike = +1</a:t>
+            </a:r>
+          </a:p>
+          <a:p>
+            <a:r>
+              <a:rPr lang="en-US" dirty="0"/>
+              <a:t>Car-PT = +1</a:t>
+            </a:r>
+            <a:br>
+              <a:rPr lang="en-US" dirty="0"/>
+            </a:br>
+            <a:r>
+              <a:rPr lang="en-US" dirty="0"/>
+              <a:t>Car-Walk = 0</a:t>
+            </a:r>
+            <a:br>
+              <a:rPr lang="en-US" dirty="0"/>
+            </a:br>
+            <a:r>
+              <a:rPr lang="en-US" dirty="0"/>
+              <a:t>…</a:t>
+            </a:r>
+            <a:endParaRPr lang="en-US" sz="800" dirty="0"/>
           </a:p>
         </p:txBody>
       </p:sp>
